--- a/assets/ppt/intro/in1-supplemental.pptx
+++ b/assets/ppt/intro/in1-supplemental.pptx
@@ -1279,7 +1279,7 @@
           <a:p>
             <a:fld id="{031950AD-E443-1743-A459-21F1AAF6F81A}" type="datetime1">
               <a:rPr lang="en-CA" smtClean="0"/>
-              <a:t>2020-09-09</a:t>
+              <a:t>2020-09-10</a:t>
             </a:fld>
             <a:endParaRPr lang="en-US"/>
           </a:p>
@@ -1477,7 +1477,7 @@
           <a:p>
             <a:fld id="{06378DE7-32B7-DE46-BFEF-C88F96B6CB46}" type="datetime1">
               <a:rPr lang="en-CA" smtClean="0"/>
-              <a:t>2020-09-09</a:t>
+              <a:t>2020-09-10</a:t>
             </a:fld>
             <a:endParaRPr lang="en-US"/>
           </a:p>
@@ -1685,7 +1685,7 @@
           <a:p>
             <a:fld id="{E9DA3F3E-97D7-E44B-928F-428312F41925}" type="datetime1">
               <a:rPr lang="en-CA" smtClean="0"/>
-              <a:t>2020-09-09</a:t>
+              <a:t>2020-09-10</a:t>
             </a:fld>
             <a:endParaRPr lang="en-US"/>
           </a:p>
@@ -2035,7 +2035,7 @@
           <a:p>
             <a:fld id="{B8239F57-6224-5A48-B5A0-8B41CBC82DE5}" type="datetime1">
               <a:rPr lang="en-CA" smtClean="0"/>
-              <a:t>2020-09-09</a:t>
+              <a:t>2020-09-10</a:t>
             </a:fld>
             <a:endParaRPr lang="en-US"/>
           </a:p>
@@ -2310,7 +2310,7 @@
           <a:p>
             <a:fld id="{82B3F797-7154-BC4F-9D0E-5EAD5AEED6D6}" type="datetime1">
               <a:rPr lang="en-CA" smtClean="0"/>
-              <a:t>2020-09-09</a:t>
+              <a:t>2020-09-10</a:t>
             </a:fld>
             <a:endParaRPr lang="en-US"/>
           </a:p>
@@ -2575,7 +2575,7 @@
           <a:p>
             <a:fld id="{3097AE3F-C575-B946-9624-8F064FF29641}" type="datetime1">
               <a:rPr lang="en-CA" smtClean="0"/>
-              <a:t>2020-09-09</a:t>
+              <a:t>2020-09-10</a:t>
             </a:fld>
             <a:endParaRPr lang="en-US"/>
           </a:p>
@@ -2987,7 +2987,7 @@
           <a:p>
             <a:fld id="{FCF57352-CE81-D949-8615-D94A6D43C5AB}" type="datetime1">
               <a:rPr lang="en-CA" smtClean="0"/>
-              <a:t>2020-09-09</a:t>
+              <a:t>2020-09-10</a:t>
             </a:fld>
             <a:endParaRPr lang="en-US"/>
           </a:p>
@@ -3128,7 +3128,7 @@
           <a:p>
             <a:fld id="{5644584D-0879-4C43-9A33-9262212C8909}" type="datetime1">
               <a:rPr lang="en-CA" smtClean="0"/>
-              <a:t>2020-09-09</a:t>
+              <a:t>2020-09-10</a:t>
             </a:fld>
             <a:endParaRPr lang="en-US"/>
           </a:p>
@@ -3241,7 +3241,7 @@
           <a:p>
             <a:fld id="{1EF55C8E-3F84-9742-9F0E-FF66F4EE05BA}" type="datetime1">
               <a:rPr lang="en-CA" smtClean="0"/>
-              <a:t>2020-09-09</a:t>
+              <a:t>2020-09-10</a:t>
             </a:fld>
             <a:endParaRPr lang="en-US"/>
           </a:p>
@@ -3552,7 +3552,7 @@
           <a:p>
             <a:fld id="{9F487085-DD22-E94F-A745-BA3BAACACBF9}" type="datetime1">
               <a:rPr lang="en-CA" smtClean="0"/>
-              <a:t>2020-09-09</a:t>
+              <a:t>2020-09-10</a:t>
             </a:fld>
             <a:endParaRPr lang="en-US"/>
           </a:p>
@@ -3840,7 +3840,7 @@
           <a:p>
             <a:fld id="{DF553C96-34AC-1447-87E6-A53840AE668C}" type="datetime1">
               <a:rPr lang="en-CA" smtClean="0"/>
-              <a:t>2020-09-09</a:t>
+              <a:t>2020-09-10</a:t>
             </a:fld>
             <a:endParaRPr lang="en-US"/>
           </a:p>
@@ -4081,7 +4081,7 @@
           <a:p>
             <a:fld id="{478D0DE7-FBBE-9D43-9800-3DF9B4EF63B2}" type="datetime1">
               <a:rPr lang="en-CA" smtClean="0"/>
-              <a:t>2020-09-09</a:t>
+              <a:t>2020-09-10</a:t>
             </a:fld>
             <a:endParaRPr lang="en-US"/>
           </a:p>
